--- a/박근모 - 메인/ppt.pptx
+++ b/박근모 - 메인/ppt.pptx
@@ -135,6 +135,9 @@
           </p15:clr>
         </p15:guide>
       </p15:sldGuideLst>
+    </p:ext>
+    <p:ext uri="{2D200454-40CA-4A62-9FC3-DE9A4176ACB9}">
+      <p15:notesGuideLst xmlns:p15="http://schemas.microsoft.com/office/powerpoint/2012/main"/>
     </p:ext>
   </p:extLst>
 </p:presentation>
@@ -18747,7 +18750,7 @@
         <p:spPr>
           <a:xfrm>
             <a:off x="6536233" y="2127026"/>
-            <a:ext cx="4692807" cy="4062651"/>
+            <a:ext cx="4692807" cy="4154984"/>
           </a:xfrm>
           <a:prstGeom prst="rect">
             <a:avLst/>
@@ -18760,7 +18763,6 @@
           </a:bodyPr>
           <a:lstStyle/>
           <a:p>
-            <a:pPr algn="ctr"/>
             <a:r>
               <a:rPr lang="ko-KR" altLang="en-US" sz="1100" dirty="0" smtClean="0"/>
               <a:t>데이트를 할 때 여러분은 어떤 것들을 </a:t>
@@ -18775,7 +18777,6 @@
             </a:r>
           </a:p>
           <a:p>
-            <a:pPr algn="ctr"/>
             <a:r>
               <a:rPr lang="ko-KR" altLang="en-US" sz="1100" dirty="0"/>
               <a:t>저</a:t>
@@ -18803,7 +18804,6 @@
             <a:endParaRPr lang="en-US" altLang="ko-KR" sz="1100" dirty="0" smtClean="0"/>
           </a:p>
           <a:p>
-            <a:pPr algn="ctr"/>
             <a:r>
               <a:rPr lang="ko-KR" altLang="en-US" sz="1100" dirty="0" smtClean="0"/>
               <a:t>고민하는 것 같습니다</a:t>
@@ -18814,11 +18814,9 @@
             </a:r>
           </a:p>
           <a:p>
-            <a:pPr algn="ctr"/>
             <a:endParaRPr lang="en-US" altLang="ko-KR" sz="1100" dirty="0"/>
           </a:p>
           <a:p>
-            <a:pPr algn="ctr"/>
             <a:r>
               <a:rPr lang="ko-KR" altLang="en-US" sz="1100" dirty="0" smtClean="0"/>
               <a:t>하나하나 다 </a:t>
@@ -18837,7 +18835,6 @@
             </a:r>
           </a:p>
           <a:p>
-            <a:pPr algn="ctr"/>
             <a:r>
               <a:rPr lang="ko-KR" altLang="en-US" sz="1100" dirty="0" smtClean="0"/>
               <a:t>대충 만나면 데이트의 의미가 옅어지는 것 같죠</a:t>
@@ -18848,7 +18845,6 @@
             </a:r>
           </a:p>
           <a:p>
-            <a:pPr algn="ctr"/>
             <a:r>
               <a:rPr lang="en-US" altLang="ko-KR" sz="1100" dirty="0" smtClean="0"/>
               <a:t>‘Daejeon Love U’ </a:t>
@@ -18860,7 +18856,6 @@
             <a:endParaRPr lang="en-US" altLang="ko-KR" sz="1100" dirty="0" smtClean="0"/>
           </a:p>
           <a:p>
-            <a:pPr algn="ctr"/>
             <a:r>
               <a:rPr lang="ko-KR" altLang="en-US" sz="1100" dirty="0" smtClean="0"/>
               <a:t>이 사이트를 제작했습니다</a:t>
@@ -18871,160 +18866,146 @@
             </a:r>
           </a:p>
           <a:p>
-            <a:pPr algn="ctr"/>
             <a:endParaRPr lang="en-US" altLang="ko-KR" sz="1100" dirty="0"/>
           </a:p>
           <a:p>
-            <a:pPr algn="ctr"/>
-            <a:r>
-              <a:rPr lang="ko-KR" altLang="en-US" sz="1100" dirty="0" smtClean="0"/>
+            <a:r>
+              <a:rPr lang="ko-KR" altLang="en-US" sz="1100" dirty="0"/>
               <a:t>대전의 맛있는 맛집</a:t>
             </a:r>
             <a:r>
-              <a:rPr lang="en-US" altLang="ko-KR" sz="1100" dirty="0" smtClean="0"/>
+              <a:rPr lang="en-US" altLang="ko-KR" sz="1100" dirty="0"/>
               <a:t>,</a:t>
             </a:r>
             <a:r>
-              <a:rPr lang="ko-KR" altLang="en-US" sz="1100" dirty="0" smtClean="0"/>
+              <a:rPr lang="ko-KR" altLang="en-US" sz="1100" dirty="0"/>
               <a:t> 분위기 있는 카페</a:t>
             </a:r>
             <a:r>
-              <a:rPr lang="en-US" altLang="ko-KR" sz="1100" dirty="0" smtClean="0"/>
+              <a:rPr lang="en-US" altLang="ko-KR" sz="1100" dirty="0"/>
               <a:t>,</a:t>
             </a:r>
           </a:p>
           <a:p>
-            <a:pPr algn="ctr"/>
-            <a:r>
-              <a:rPr lang="ko-KR" altLang="en-US" sz="1100" dirty="0" err="1" smtClean="0"/>
+            <a:r>
+              <a:rPr lang="ko-KR" altLang="en-US" sz="1100" dirty="0" err="1"/>
               <a:t>핫플레이스</a:t>
             </a:r>
             <a:r>
-              <a:rPr lang="en-US" altLang="ko-KR" sz="1100" dirty="0" smtClean="0"/>
+              <a:rPr lang="en-US" altLang="ko-KR" sz="1100" dirty="0"/>
               <a:t>,</a:t>
             </a:r>
             <a:endParaRPr lang="en-US" altLang="ko-KR" sz="1100" dirty="0"/>
           </a:p>
           <a:p>
-            <a:pPr algn="ctr"/>
-            <a:r>
-              <a:rPr lang="ko-KR" altLang="en-US" sz="1100" dirty="0" smtClean="0"/>
+            <a:r>
+              <a:rPr lang="ko-KR" altLang="en-US" sz="1100" dirty="0"/>
               <a:t>데이트에 입고 갈 옷까지</a:t>
-            </a:r>
-            <a:endParaRPr lang="en-US" altLang="ko-KR" sz="1100" dirty="0" smtClean="0"/>
-          </a:p>
-          <a:p>
-            <a:pPr algn="ctr"/>
-            <a:r>
-              <a:rPr lang="ko-KR" altLang="en-US" sz="1100" dirty="0" smtClean="0"/>
-              <a:t>저희</a:t>
-            </a:r>
-            <a:r>
-              <a:rPr lang="en-US" altLang="ko-KR" sz="1100" dirty="0"/>
-              <a:t> ‘Daejeon Love </a:t>
-            </a:r>
-            <a:r>
-              <a:rPr lang="en-US" altLang="ko-KR" sz="1100" dirty="0" smtClean="0"/>
-              <a:t>U’ </a:t>
-            </a:r>
-            <a:r>
-              <a:rPr lang="ko-KR" altLang="en-US" sz="1100" dirty="0" smtClean="0"/>
-              <a:t>가 책임집니다</a:t>
-            </a:r>
-            <a:r>
-              <a:rPr lang="en-US" altLang="ko-KR" sz="1100" dirty="0" smtClean="0"/>
-              <a:t>.</a:t>
-            </a:r>
-          </a:p>
-          <a:p>
-            <a:pPr algn="ctr"/>
-            <a:r>
-              <a:rPr lang="ko-KR" altLang="en-US" sz="1100" dirty="0"/>
-              <a:t>데이트와 관련된 모든 것을 해결할 수 있는 정보를 제공합니다</a:t>
-            </a:r>
-            <a:r>
-              <a:rPr lang="en-US" altLang="ko-KR" sz="1100" dirty="0"/>
-              <a:t>.</a:t>
-            </a:r>
-          </a:p>
-          <a:p>
-            <a:pPr algn="ctr"/>
-            <a:endParaRPr lang="en-US" altLang="ko-KR" sz="1100" dirty="0" smtClean="0"/>
-          </a:p>
-          <a:p>
-            <a:pPr algn="ctr"/>
-            <a:endParaRPr lang="en-US" altLang="ko-KR" sz="1100" dirty="0" smtClean="0"/>
-          </a:p>
-          <a:p>
-            <a:pPr algn="ctr"/>
-            <a:r>
-              <a:rPr lang="ko-KR" altLang="en-US" sz="1100" dirty="0" smtClean="0"/>
-              <a:t>사랑 설렘 행복 추억 그 외 모든 두근거리는 감정들 </a:t>
             </a:r>
             <a:endParaRPr lang="en-US" altLang="ko-KR" sz="1100" dirty="0"/>
           </a:p>
           <a:p>
-            <a:pPr algn="ctr"/>
-            <a:r>
-              <a:rPr lang="ko-KR" altLang="en-US" sz="1100" dirty="0" smtClean="0"/>
-              <a:t>저희 </a:t>
+            <a:r>
+              <a:rPr lang="ko-KR" altLang="en-US" sz="1100" dirty="0"/>
+              <a:t>저희</a:t>
             </a:r>
             <a:r>
               <a:rPr lang="en-US" altLang="ko-KR" sz="1100" dirty="0"/>
-              <a:t>‘Daejeon Love U </a:t>
-            </a:r>
-            <a:r>
-              <a:rPr lang="en-US" altLang="ko-KR" sz="1100" dirty="0" smtClean="0"/>
-              <a:t>‘ </a:t>
-            </a:r>
-            <a:r>
-              <a:rPr lang="ko-KR" altLang="en-US" sz="1100" dirty="0" err="1" smtClean="0"/>
-              <a:t>를</a:t>
-            </a:r>
-            <a:r>
-              <a:rPr lang="ko-KR" altLang="en-US" sz="1100" dirty="0" smtClean="0"/>
-              <a:t> </a:t>
+              <a:t> ‘Daejeon Love </a:t>
+            </a:r>
+            <a:r>
+              <a:rPr lang="en-US" altLang="ko-KR" sz="1100" dirty="0"/>
+              <a:t>U’ </a:t>
             </a:r>
             <a:r>
               <a:rPr lang="ko-KR" altLang="en-US" sz="1100" dirty="0"/>
-              <a:t>통해</a:t>
-            </a:r>
+              <a:t>가 책임집니다</a:t>
+            </a:r>
+            <a:r>
+              <a:rPr lang="en-US" altLang="ko-KR" sz="1100" dirty="0"/>
+              <a:t>.</a:t>
+            </a:r>
+          </a:p>
+          <a:p>
+            <a:r>
+              <a:rPr lang="ko-KR" altLang="en-US" sz="1100" dirty="0"/>
+              <a:t>데이트와 관련된 모든 것을 해결할 수 있는 정보를 제공합니다</a:t>
+            </a:r>
+            <a:r>
+              <a:rPr lang="en-US" altLang="ko-KR" sz="1100" dirty="0"/>
+              <a:t>.</a:t>
+            </a:r>
+          </a:p>
+          <a:p>
             <a:endParaRPr lang="en-US" altLang="ko-KR" sz="1100" dirty="0"/>
           </a:p>
           <a:p>
-            <a:pPr algn="ctr"/>
-            <a:r>
-              <a:rPr lang="ko-KR" altLang="en-US" sz="1100" dirty="0"/>
-              <a:t>얻을 수 있는 가치들입니다</a:t>
-            </a:r>
-            <a:r>
-              <a:rPr lang="en-US" altLang="ko-KR" sz="1100" dirty="0"/>
-              <a:t>.</a:t>
-            </a:r>
-          </a:p>
-          <a:p>
-            <a:pPr algn="ctr"/>
             <a:endParaRPr lang="en-US" altLang="ko-KR" sz="1100" dirty="0"/>
           </a:p>
           <a:p>
-            <a:pPr algn="ctr"/>
-            <a:r>
-              <a:rPr lang="ko-KR" altLang="en-US" sz="900" dirty="0" smtClean="0"/>
-              <a:t>배달의 민족이나 카카오 택시처럼</a:t>
-            </a:r>
-            <a:endParaRPr lang="en-US" altLang="ko-KR" sz="900" dirty="0" smtClean="0"/>
+            <a:r>
+              <a:rPr lang="ko-KR" altLang="en-US" sz="1100" dirty="0"/>
+              <a:t>사랑 설렘 행복 추억 그 외 모든 두근거리는 감정들 </a:t>
+            </a:r>
+            <a:endParaRPr lang="en-US" altLang="ko-KR" sz="1100" dirty="0"/>
           </a:p>
           <a:p>
-            <a:pPr algn="ctr"/>
-            <a:r>
-              <a:rPr lang="ko-KR" altLang="en-US" sz="900" dirty="0" smtClean="0"/>
+            <a:r>
+              <a:rPr lang="ko-KR" altLang="en-US" sz="1100" dirty="0"/>
+              <a:t>저희 </a:t>
+            </a:r>
+            <a:r>
+              <a:rPr lang="en-US" altLang="ko-KR" sz="1100" dirty="0"/>
+              <a:t>‘Daejeon Love U </a:t>
+            </a:r>
+            <a:r>
+              <a:rPr lang="en-US" altLang="ko-KR" sz="1100" dirty="0"/>
+              <a:t>‘ </a:t>
+            </a:r>
+            <a:r>
+              <a:rPr lang="ko-KR" altLang="en-US" sz="1100" dirty="0" err="1"/>
+              <a:t>를</a:t>
+            </a:r>
+            <a:r>
+              <a:rPr lang="ko-KR" altLang="en-US" sz="1100" dirty="0"/>
+              <a:t> </a:t>
+            </a:r>
+            <a:r>
+              <a:rPr lang="ko-KR" altLang="en-US" sz="1100" dirty="0"/>
+              <a:t>통해</a:t>
+            </a:r>
+            <a:endParaRPr lang="en-US" altLang="ko-KR" sz="1100" dirty="0"/>
+          </a:p>
+          <a:p>
+            <a:r>
+              <a:rPr lang="ko-KR" altLang="en-US" sz="1100" dirty="0"/>
+              <a:t>얻을 수 있는 가치들입니다</a:t>
+            </a:r>
+            <a:r>
+              <a:rPr lang="en-US" altLang="ko-KR" sz="1100" dirty="0"/>
+              <a:t>.</a:t>
+            </a:r>
+          </a:p>
+          <a:p>
+            <a:endParaRPr lang="en-US" altLang="ko-KR" sz="1100" dirty="0"/>
+          </a:p>
+          <a:p>
+            <a:r>
+              <a:rPr lang="ko-KR" altLang="en-US" sz="1100" dirty="0"/>
+              <a:t>배달의 민족이나 카카오 택시처럼</a:t>
+            </a:r>
+            <a:endParaRPr lang="en-US" altLang="ko-KR" sz="1100" dirty="0"/>
+          </a:p>
+          <a:p>
+            <a:r>
+              <a:rPr lang="ko-KR" altLang="en-US" sz="1100" dirty="0"/>
               <a:t>업체들과 연동해주는 사이트로서 홍보를 해주고 수수료를 얻는 것을 더불어 배너 광고를 통한 광고 수익을 노리고 있습니다</a:t>
             </a:r>
             <a:r>
-              <a:rPr lang="en-US" altLang="ko-KR" sz="900" dirty="0" smtClean="0"/>
+              <a:rPr lang="en-US" altLang="ko-KR" sz="1100" dirty="0"/>
               <a:t>.</a:t>
             </a:r>
-            <a:endParaRPr lang="en-US" altLang="ko-KR" sz="900" dirty="0"/>
+            <a:endParaRPr lang="en-US" altLang="ko-KR" sz="1100" dirty="0"/>
           </a:p>
           <a:p>
             <a:endParaRPr lang="en-US" altLang="ko-KR" sz="1100" dirty="0" smtClean="0"/>
@@ -21861,19 +21842,7 @@
                 <a:latin typeface="굴림" panose="020B0600000101010101" pitchFamily="50" charset="-127"/>
                 <a:ea typeface="굴림" panose="020B0600000101010101" pitchFamily="50" charset="-127"/>
               </a:rPr>
-              <a:t>(</a:t>
-            </a:r>
-            <a:r>
-              <a:rPr lang="en-US" altLang="ko-KR" sz="1100" dirty="0" smtClean="0">
-                <a:solidFill>
-                  <a:schemeClr val="bg1">
-                    <a:lumMod val="50000"/>
-                  </a:schemeClr>
-                </a:solidFill>
-                <a:latin typeface="굴림" panose="020B0600000101010101" pitchFamily="50" charset="-127"/>
-                <a:ea typeface="굴림" panose="020B0600000101010101" pitchFamily="50" charset="-127"/>
-              </a:rPr>
-              <a:t>20</a:t>
+              <a:t>(20</a:t>
             </a:r>
             <a:r>
               <a:rPr lang="ko-KR" altLang="en-US" sz="1100" dirty="0" smtClean="0">
@@ -22054,15 +22023,6 @@
               </a:rPr>
               <a:t>?</a:t>
             </a:r>
-            <a:endParaRPr lang="en-US" altLang="ko-KR" sz="1050" b="1" dirty="0" smtClean="0">
-              <a:solidFill>
-                <a:schemeClr val="bg1">
-                  <a:lumMod val="50000"/>
-                </a:schemeClr>
-              </a:solidFill>
-              <a:latin typeface="굴림" panose="020B0600000101010101" pitchFamily="50" charset="-127"/>
-              <a:ea typeface="굴림" panose="020B0600000101010101" pitchFamily="50" charset="-127"/>
-            </a:endParaRPr>
           </a:p>
         </p:txBody>
       </p:sp>
@@ -22133,19 +22093,7 @@
                 <a:latin typeface="SimSun" panose="02010600030101010101" pitchFamily="2" charset="-122"/>
                 <a:ea typeface="SimSun" panose="02010600030101010101" pitchFamily="2" charset="-122"/>
               </a:rPr>
-              <a:t>(</a:t>
-            </a:r>
-            <a:r>
-              <a:rPr lang="en-US" altLang="ko-KR" sz="1100" dirty="0" smtClean="0">
-                <a:solidFill>
-                  <a:schemeClr val="bg1">
-                    <a:lumMod val="50000"/>
-                  </a:schemeClr>
-                </a:solidFill>
-                <a:latin typeface="SimSun" panose="02010600030101010101" pitchFamily="2" charset="-122"/>
-                <a:ea typeface="SimSun" panose="02010600030101010101" pitchFamily="2" charset="-122"/>
-              </a:rPr>
-              <a:t>27</a:t>
+              <a:t>(27</a:t>
             </a:r>
             <a:r>
               <a:rPr lang="ko-KR" altLang="en-US" sz="1100" dirty="0" smtClean="0">
@@ -22313,15 +22261,6 @@
               </a:rPr>
               <a:t>?</a:t>
             </a:r>
-            <a:endParaRPr lang="en-US" altLang="ko-KR" sz="1050" b="1" dirty="0" smtClean="0">
-              <a:solidFill>
-                <a:schemeClr val="bg1">
-                  <a:lumMod val="50000"/>
-                </a:schemeClr>
-              </a:solidFill>
-              <a:latin typeface="SimSun" panose="02010600030101010101" pitchFamily="2" charset="-122"/>
-              <a:ea typeface="SimSun" panose="02010600030101010101" pitchFamily="2" charset="-122"/>
-            </a:endParaRPr>
           </a:p>
         </p:txBody>
       </p:sp>
@@ -23065,19 +23004,7 @@
                 <a:latin typeface="굴림" panose="020B0600000101010101" pitchFamily="50" charset="-127"/>
                 <a:ea typeface="굴림" panose="020B0600000101010101" pitchFamily="50" charset="-127"/>
               </a:rPr>
-              <a:t>(</a:t>
-            </a:r>
-            <a:r>
-              <a:rPr lang="en-US" altLang="ko-KR" sz="1100" dirty="0" smtClean="0">
-                <a:solidFill>
-                  <a:schemeClr val="bg1">
-                    <a:lumMod val="50000"/>
-                  </a:schemeClr>
-                </a:solidFill>
-                <a:latin typeface="굴림" panose="020B0600000101010101" pitchFamily="50" charset="-127"/>
-                <a:ea typeface="굴림" panose="020B0600000101010101" pitchFamily="50" charset="-127"/>
-              </a:rPr>
-              <a:t>35</a:t>
+              <a:t>(35</a:t>
             </a:r>
             <a:r>
               <a:rPr lang="ko-KR" altLang="en-US" sz="1100" dirty="0" smtClean="0">
@@ -23399,7 +23326,7 @@
         </p:blipFill>
         <p:spPr>
           <a:xfrm>
-            <a:off x="5519998" y="2869097"/>
+            <a:off x="9102993" y="2825134"/>
             <a:ext cx="1152000" cy="1373437"/>
           </a:xfrm>
           <a:prstGeom prst="rect">
@@ -23429,7 +23356,7 @@
         </p:blipFill>
         <p:spPr>
           <a:xfrm>
-            <a:off x="9102993" y="2909921"/>
+            <a:off x="1884036" y="2930723"/>
             <a:ext cx="1152000" cy="1300023"/>
           </a:xfrm>
           <a:prstGeom prst="rect">
@@ -23466,7 +23393,7 @@
         </p:blipFill>
         <p:spPr>
           <a:xfrm>
-            <a:off x="1886725" y="2814995"/>
+            <a:off x="5463202" y="2708694"/>
             <a:ext cx="1152000" cy="1489877"/>
           </a:xfrm>
           <a:prstGeom prst="rect">
@@ -25250,20 +25177,7 @@
                   <a:latin typeface="+mj-ea"/>
                   <a:ea typeface="+mj-ea"/>
                 </a:rPr>
-                <a:t>로 </a:t>
-              </a:r>
-              <a:r>
-                <a:rPr lang="ko-KR" altLang="en-US" sz="2000" dirty="0" smtClean="0">
-                  <a:solidFill>
-                    <a:schemeClr val="tx1">
-                      <a:lumMod val="75000"/>
-                      <a:lumOff val="25000"/>
-                    </a:schemeClr>
-                  </a:solidFill>
-                  <a:latin typeface="+mj-ea"/>
-                  <a:ea typeface="+mj-ea"/>
-                </a:rPr>
-                <a:t>알려진 </a:t>
+                <a:t>로 알려진 </a:t>
               </a:r>
               <a:r>
                 <a:rPr lang="ko-KR" altLang="en-US" sz="2000" b="1" dirty="0" smtClean="0">
@@ -25381,14 +25295,6 @@
                 </a:rPr>
                 <a:t>!</a:t>
               </a:r>
-              <a:endParaRPr lang="en-US" altLang="ko-KR" sz="1200" dirty="0" smtClean="0">
-                <a:solidFill>
-                  <a:schemeClr val="bg1">
-                    <a:lumMod val="50000"/>
-                  </a:schemeClr>
-                </a:solidFill>
-                <a:latin typeface="+mj-ea"/>
-              </a:endParaRPr>
             </a:p>
             <a:p>
               <a:pPr marL="171450" indent="-171450">
@@ -25802,14 +25708,6 @@
                 </a:rPr>
                 <a:t>’</a:t>
               </a:r>
-              <a:endParaRPr lang="en-US" altLang="ko-KR" sz="1200" b="1" dirty="0" smtClean="0">
-                <a:solidFill>
-                  <a:schemeClr val="bg1">
-                    <a:lumMod val="50000"/>
-                  </a:schemeClr>
-                </a:solidFill>
-                <a:latin typeface="+mj-ea"/>
-              </a:endParaRPr>
             </a:p>
           </p:txBody>
         </p:sp>
@@ -25993,20 +25891,7 @@
                   <a:latin typeface="+mj-ea"/>
                   <a:ea typeface="+mj-ea"/>
                 </a:rPr>
-                <a:t>로 </a:t>
-              </a:r>
-              <a:r>
-                <a:rPr lang="ko-KR" altLang="en-US" sz="2000" dirty="0" smtClean="0">
-                  <a:solidFill>
-                    <a:schemeClr val="tx1">
-                      <a:lumMod val="75000"/>
-                      <a:lumOff val="25000"/>
-                    </a:schemeClr>
-                  </a:solidFill>
-                  <a:latin typeface="+mj-ea"/>
-                  <a:ea typeface="+mj-ea"/>
-                </a:rPr>
-                <a:t>바뀌는 </a:t>
+                <a:t>로 바뀌는 </a:t>
               </a:r>
               <a:r>
                 <a:rPr lang="ko-KR" altLang="en-US" sz="2000" b="1" dirty="0" smtClean="0">
@@ -26185,14 +26070,6 @@
                 </a:rPr>
                 <a:t>!</a:t>
               </a:r>
-              <a:endParaRPr lang="en-US" altLang="ko-KR" sz="1200" dirty="0" smtClean="0">
-                <a:solidFill>
-                  <a:schemeClr val="bg1">
-                    <a:lumMod val="50000"/>
-                  </a:schemeClr>
-                </a:solidFill>
-                <a:latin typeface="+mj-ea"/>
-              </a:endParaRPr>
             </a:p>
             <a:p>
               <a:pPr marL="171450" indent="-171450">
@@ -28621,7 +28498,7 @@
         <p:spPr>
           <a:xfrm>
             <a:off x="907521" y="5052289"/>
-            <a:ext cx="2915226" cy="1334661"/>
+            <a:ext cx="2915226" cy="1384995"/>
           </a:xfrm>
           <a:prstGeom prst="rect">
             <a:avLst/>
@@ -28701,7 +28578,7 @@
                   </a:schemeClr>
                 </a:solidFill>
               </a:rPr>
-              <a:t>편의 기능 </a:t>
+              <a:t>맛집 정보</a:t>
             </a:r>
             <a:r>
               <a:rPr lang="en-US" altLang="ko-KR" sz="1400" dirty="0" smtClean="0">
@@ -28733,14 +28610,14 @@
               <a:t>– </a:t>
             </a:r>
             <a:r>
-              <a:rPr lang="ko-KR" altLang="en-US" sz="1400" dirty="0" err="1" smtClean="0">
+              <a:rPr lang="ko-KR" altLang="en-US" sz="1400" dirty="0" smtClean="0">
                 <a:solidFill>
                   <a:schemeClr val="bg1">
                     <a:lumMod val="50000"/>
                   </a:schemeClr>
                 </a:solidFill>
               </a:rPr>
-              <a:t>분위기별</a:t>
+              <a:t>평점</a:t>
             </a:r>
             <a:r>
               <a:rPr lang="en-US" altLang="ko-KR" sz="1400" dirty="0" smtClean="0">
@@ -28753,34 +28630,34 @@
               <a:t>, </a:t>
             </a:r>
             <a:r>
-              <a:rPr lang="ko-KR" altLang="en-US" sz="1400" dirty="0" smtClean="0">
+              <a:rPr lang="ko-KR" altLang="en-US" sz="1400" dirty="0" err="1" smtClean="0">
                 <a:solidFill>
                   <a:schemeClr val="bg1">
                     <a:lumMod val="50000"/>
                   </a:schemeClr>
                 </a:solidFill>
               </a:rPr>
-              <a:t>체크리스트</a:t>
-            </a:r>
-            <a:r>
-              <a:rPr lang="ko-KR" altLang="en-US" sz="1400" dirty="0" smtClean="0">
+              <a:t>오픈시간</a:t>
+            </a:r>
+            <a:r>
+              <a:rPr lang="en-US" altLang="ko-KR" sz="1400" dirty="0" smtClean="0">
                 <a:solidFill>
                   <a:schemeClr val="bg1">
                     <a:lumMod val="50000"/>
                   </a:schemeClr>
                 </a:solidFill>
               </a:rPr>
-              <a:t>생성</a:t>
-            </a:r>
-            <a:r>
-              <a:rPr lang="en-US" altLang="ko-KR" sz="1400" dirty="0" smtClean="0">
+              <a:t>, </a:t>
+            </a:r>
+            <a:r>
+              <a:rPr lang="ko-KR" altLang="en-US" sz="1400" dirty="0" smtClean="0">
                 <a:solidFill>
                   <a:schemeClr val="bg1">
                     <a:lumMod val="50000"/>
                   </a:schemeClr>
                 </a:solidFill>
               </a:rPr>
-              <a:t>...</a:t>
+              <a:t>랭킹 등</a:t>
             </a:r>
             <a:r>
               <a:rPr lang="en-US" altLang="ko-KR" sz="1400" dirty="0" smtClean="0">
@@ -28790,7 +28667,7 @@
                   </a:schemeClr>
                 </a:solidFill>
               </a:rPr>
-              <a:t> </a:t>
+              <a:t>...</a:t>
             </a:r>
             <a:endParaRPr lang="ko-KR" altLang="en-US" sz="1400" dirty="0">
               <a:solidFill>
@@ -28864,7 +28741,6 @@
               <a:rPr lang="ko-KR" altLang="en-US" sz="1400" dirty="0"/>
               <a:t>사이트 연계</a:t>
             </a:r>
-            <a:endParaRPr lang="ko-KR" altLang="en-US" sz="1400" dirty="0"/>
           </a:p>
         </p:txBody>
       </p:sp>
@@ -28926,7 +28802,6 @@
               <a:rPr lang="ko-KR" altLang="en-US" sz="1400" dirty="0"/>
               <a:t>가까운 역이나 교통편 소개</a:t>
             </a:r>
-            <a:endParaRPr lang="ko-KR" altLang="en-US" sz="1400" dirty="0"/>
           </a:p>
         </p:txBody>
       </p:sp>

--- a/박근모 - 메인/ppt.pptx
+++ b/박근모 - 메인/ppt.pptx
@@ -6227,14 +6227,6 @@
                   </a:rPr>
                   <a:t>Persona</a:t>
                 </a:r>
-                <a:endParaRPr lang="en-US" altLang="ko-KR" sz="2400" b="1" spc="600" dirty="0" smtClean="0">
-                  <a:solidFill>
-                    <a:schemeClr val="bg1"/>
-                  </a:solidFill>
-                  <a:latin typeface="굴림" panose="020B0600000101010101" pitchFamily="50" charset="-127"/>
-                  <a:ea typeface="굴림" panose="020B0600000101010101" pitchFamily="50" charset="-127"/>
-                  <a:cs typeface="맑은 고딕 Semilight" panose="020B0502040204020203" pitchFamily="50" charset="-127"/>
-                </a:endParaRPr>
               </a:p>
             </p:txBody>
           </p:sp>
@@ -7924,11 +7916,7 @@
             </a:r>
             <a:r>
               <a:rPr lang="ko-KR" altLang="en-US" sz="1100" dirty="0" smtClean="0"/>
-              <a:t>무엇을 먹을지 </a:t>
-            </a:r>
-            <a:r>
-              <a:rPr lang="ko-KR" altLang="en-US" sz="1100" dirty="0" smtClean="0"/>
-              <a:t>또는</a:t>
+              <a:t>무엇을 먹을지 또는</a:t>
             </a:r>
             <a:r>
               <a:rPr lang="en-US" altLang="ko-KR" sz="1100" dirty="0" smtClean="0"/>
@@ -8098,15 +8086,7 @@
             </a:pPr>
             <a:r>
               <a:rPr lang="ko-KR" altLang="en-US" sz="1100" dirty="0" smtClean="0"/>
-              <a:t>배달의 민족이나 카카오 </a:t>
-            </a:r>
-            <a:r>
-              <a:rPr lang="ko-KR" altLang="en-US" sz="1100" dirty="0" smtClean="0"/>
-              <a:t>플랫폼</a:t>
-            </a:r>
-            <a:r>
-              <a:rPr lang="ko-KR" altLang="en-US" sz="1100" dirty="0" smtClean="0"/>
-              <a:t>처럼</a:t>
+              <a:t>배달의 민족이나 카카오 플랫폼처럼</a:t>
             </a:r>
             <a:endParaRPr lang="en-US" altLang="ko-KR" sz="1100" dirty="0" smtClean="0"/>
           </a:p>
@@ -9211,7 +9191,7 @@
               <a:t>친구가 대전에 </a:t>
             </a:r>
             <a:r>
-              <a:rPr lang="ko-KR" altLang="en-US" sz="1050" dirty="0" smtClean="0">
+              <a:rPr lang="ko-KR" altLang="en-US" sz="1050" smtClean="0">
                 <a:solidFill>
                   <a:schemeClr val="bg1">
                     <a:lumMod val="50000"/>
@@ -9220,7 +9200,19 @@
                 <a:latin typeface="굴림" panose="020B0600000101010101" pitchFamily="50" charset="-127"/>
                 <a:ea typeface="굴림" panose="020B0600000101010101" pitchFamily="50" charset="-127"/>
               </a:rPr>
-              <a:t>놀러 온 다는데</a:t>
+              <a:t>놀러 </a:t>
+            </a:r>
+            <a:r>
+              <a:rPr lang="ko-KR" altLang="en-US" sz="1050" smtClean="0">
+                <a:solidFill>
+                  <a:schemeClr val="bg1">
+                    <a:lumMod val="50000"/>
+                  </a:schemeClr>
+                </a:solidFill>
+                <a:latin typeface="굴림" panose="020B0600000101010101" pitchFamily="50" charset="-127"/>
+                <a:ea typeface="굴림" panose="020B0600000101010101" pitchFamily="50" charset="-127"/>
+              </a:rPr>
+              <a:t>온다는데</a:t>
             </a:r>
             <a:r>
               <a:rPr lang="en-US" altLang="ko-KR" sz="1050" dirty="0">
@@ -9261,20 +9253,7 @@
                 <a:latin typeface="굴림" panose="020B0600000101010101" pitchFamily="50" charset="-127"/>
                 <a:ea typeface="굴림" panose="020B0600000101010101" pitchFamily="50" charset="-127"/>
               </a:rPr>
-              <a:t>대전에서 분위기 있는 카페 </a:t>
-            </a:r>
-            <a:r>
-              <a:rPr lang="ko-KR" altLang="en-US" sz="1050" b="1" dirty="0" smtClean="0">
-                <a:solidFill>
-                  <a:schemeClr val="tx1">
-                    <a:lumMod val="75000"/>
-                    <a:lumOff val="25000"/>
-                  </a:schemeClr>
-                </a:solidFill>
-                <a:latin typeface="굴림" panose="020B0600000101010101" pitchFamily="50" charset="-127"/>
-                <a:ea typeface="굴림" panose="020B0600000101010101" pitchFamily="50" charset="-127"/>
-              </a:rPr>
-              <a:t>어디 없나요</a:t>
+              <a:t>대전에서 분위기 있는 카페 어디 없나요</a:t>
             </a:r>
             <a:r>
               <a:rPr lang="en-US" altLang="ko-KR" sz="1050" b="1" dirty="0" smtClean="0">
@@ -9449,19 +9428,7 @@
                 <a:latin typeface="굴림" panose="020B0600000101010101" pitchFamily="50" charset="-127"/>
                 <a:ea typeface="굴림" panose="020B0600000101010101" pitchFamily="50" charset="-127"/>
               </a:rPr>
-              <a:t>Q</a:t>
-            </a:r>
-            <a:r>
-              <a:rPr lang="en-US" altLang="ko-KR" sz="1050" dirty="0">
-                <a:solidFill>
-                  <a:schemeClr val="bg1">
-                    <a:lumMod val="50000"/>
-                  </a:schemeClr>
-                </a:solidFill>
-                <a:latin typeface="굴림" panose="020B0600000101010101" pitchFamily="50" charset="-127"/>
-                <a:ea typeface="굴림" panose="020B0600000101010101" pitchFamily="50" charset="-127"/>
-              </a:rPr>
-              <a:t>. </a:t>
+              <a:t>Q. </a:t>
             </a:r>
             <a:r>
               <a:rPr lang="ko-KR" altLang="en-US" sz="1050" dirty="0">
@@ -9715,13 +9682,6 @@
               </a:rPr>
               <a:t>.</a:t>
             </a:r>
-            <a:endParaRPr lang="en-US" altLang="ko-KR" sz="1200" b="1" dirty="0" smtClean="0">
-              <a:solidFill>
-                <a:srgbClr val="B1173F"/>
-              </a:solidFill>
-              <a:latin typeface="굴림" panose="020B0600000101010101" pitchFamily="50" charset="-127"/>
-              <a:ea typeface="굴림" panose="020B0600000101010101" pitchFamily="50" charset="-127"/>
-            </a:endParaRPr>
           </a:p>
         </p:txBody>
       </p:sp>
@@ -10027,13 +9987,6 @@
               </a:rPr>
               <a:t>!!`</a:t>
             </a:r>
-            <a:endParaRPr lang="en-US" altLang="ko-KR" sz="1200" b="1" dirty="0" smtClean="0">
-              <a:solidFill>
-                <a:srgbClr val="FF0000"/>
-              </a:solidFill>
-              <a:latin typeface="굴림" panose="020B0600000101010101" pitchFamily="50" charset="-127"/>
-              <a:ea typeface="굴림" panose="020B0600000101010101" pitchFamily="50" charset="-127"/>
-            </a:endParaRPr>
           </a:p>
         </p:txBody>
       </p:sp>
@@ -11159,18 +11112,7 @@
                   </a:solidFill>
                   <a:latin typeface="+mj-ea"/>
                 </a:rPr>
-                <a:t> </a:t>
-              </a:r>
-              <a:r>
-                <a:rPr lang="ko-KR" altLang="en-US" sz="1200" dirty="0" smtClean="0">
-                  <a:solidFill>
-                    <a:schemeClr val="bg1">
-                      <a:lumMod val="50000"/>
-                    </a:schemeClr>
-                  </a:solidFill>
-                  <a:latin typeface="+mj-ea"/>
-                </a:rPr>
-                <a:t>대전에서 </a:t>
+                <a:t> 대전에서 </a:t>
               </a:r>
               <a:r>
                 <a:rPr lang="ko-KR" altLang="en-US" sz="1200" b="1" dirty="0" smtClean="0">
@@ -11830,33 +11772,7 @@
                     <a:latin typeface="+mj-ea"/>
                     <a:ea typeface="+mj-ea"/>
                   </a:rPr>
-                  <a:t>“Daejeon </a:t>
-                </a:r>
-                <a:r>
-                  <a:rPr lang="en-US" altLang="ko-KR" sz="2000" b="1" dirty="0" smtClean="0">
-                    <a:solidFill>
-                      <a:schemeClr val="tx1">
-                        <a:lumMod val="75000"/>
-                        <a:lumOff val="25000"/>
-                      </a:schemeClr>
-                    </a:solidFill>
-                    <a:latin typeface="+mj-ea"/>
-                    <a:ea typeface="+mj-ea"/>
-                  </a:rPr>
-                  <a:t>Love </a:t>
-                </a:r>
-                <a:r>
-                  <a:rPr lang="en-US" altLang="ko-KR" sz="2000" b="1" dirty="0" smtClean="0">
-                    <a:solidFill>
-                      <a:schemeClr val="tx1">
-                        <a:lumMod val="75000"/>
-                        <a:lumOff val="25000"/>
-                      </a:schemeClr>
-                    </a:solidFill>
-                    <a:latin typeface="+mj-ea"/>
-                    <a:ea typeface="+mj-ea"/>
-                  </a:rPr>
-                  <a:t>U” </a:t>
+                  <a:t>“Daejeon Love U” </a:t>
                 </a:r>
                 <a:r>
                   <a:rPr lang="ko-KR" altLang="en-US" sz="2000" b="1" dirty="0" smtClean="0">
@@ -13105,17 +13021,7 @@
                   </a:schemeClr>
                 </a:solidFill>
               </a:rPr>
-              <a:t>숨겨진 맛집 </a:t>
-            </a:r>
-            <a:r>
-              <a:rPr lang="ko-KR" altLang="en-US" sz="1400" dirty="0" smtClean="0">
-                <a:solidFill>
-                  <a:schemeClr val="bg1">
-                    <a:lumMod val="50000"/>
-                  </a:schemeClr>
-                </a:solidFill>
-              </a:rPr>
-              <a:t>추천</a:t>
+              <a:t>숨겨진 맛집 추천</a:t>
             </a:r>
             <a:endParaRPr lang="en-US" altLang="ko-KR" sz="1400" dirty="0" smtClean="0">
               <a:solidFill>
@@ -13167,17 +13073,7 @@
                   </a:schemeClr>
                 </a:solidFill>
               </a:rPr>
-              <a:t>맛집 </a:t>
-            </a:r>
-            <a:r>
-              <a:rPr lang="ko-KR" altLang="en-US" sz="1400" dirty="0" smtClean="0">
-                <a:solidFill>
-                  <a:schemeClr val="bg1">
-                    <a:lumMod val="50000"/>
-                  </a:schemeClr>
-                </a:solidFill>
-              </a:rPr>
-              <a:t>정보</a:t>
+              <a:t>맛집 정보</a:t>
             </a:r>
             <a:r>
               <a:rPr lang="en-US" altLang="ko-KR" sz="1400" dirty="0" smtClean="0">
@@ -15663,11 +15559,6 @@
                   </a:rPr>
                   <a:t>planner</a:t>
                 </a:r>
-                <a:endParaRPr lang="en-US" altLang="ko-KR" sz="900" dirty="0" smtClean="0">
-                  <a:solidFill>
-                    <a:schemeClr val="tx1"/>
-                  </a:solidFill>
-                </a:endParaRPr>
               </a:p>
             </p:txBody>
           </p:sp>
@@ -16949,11 +16840,6 @@
                   </a:rPr>
                   <a:t>planner</a:t>
                 </a:r>
-                <a:endParaRPr lang="en-US" altLang="ko-KR" sz="900" dirty="0" smtClean="0">
-                  <a:solidFill>
-                    <a:schemeClr val="tx1"/>
-                  </a:solidFill>
-                </a:endParaRPr>
               </a:p>
             </p:txBody>
           </p:sp>
